--- a/TimeRec.pptx
+++ b/TimeRec.pptx
@@ -244,7 +244,7 @@
           <a:p>
             <a:fld id="{369B22A5-30E4-45FA-9C35-0A53E2812B5C}" type="datetimeFigureOut">
               <a:rPr lang="ru-RU" smtClean="0"/>
-              <a:t>24.06.2020</a:t>
+              <a:t>03.07.2020</a:t>
             </a:fld>
             <a:endParaRPr lang="ru-RU"/>
           </a:p>
@@ -414,7 +414,7 @@
           <a:p>
             <a:fld id="{369B22A5-30E4-45FA-9C35-0A53E2812B5C}" type="datetimeFigureOut">
               <a:rPr lang="ru-RU" smtClean="0"/>
-              <a:t>24.06.2020</a:t>
+              <a:t>03.07.2020</a:t>
             </a:fld>
             <a:endParaRPr lang="ru-RU"/>
           </a:p>
@@ -594,7 +594,7 @@
           <a:p>
             <a:fld id="{369B22A5-30E4-45FA-9C35-0A53E2812B5C}" type="datetimeFigureOut">
               <a:rPr lang="ru-RU" smtClean="0"/>
-              <a:t>24.06.2020</a:t>
+              <a:t>03.07.2020</a:t>
             </a:fld>
             <a:endParaRPr lang="ru-RU"/>
           </a:p>
@@ -764,7 +764,7 @@
           <a:p>
             <a:fld id="{369B22A5-30E4-45FA-9C35-0A53E2812B5C}" type="datetimeFigureOut">
               <a:rPr lang="ru-RU" smtClean="0"/>
-              <a:t>24.06.2020</a:t>
+              <a:t>03.07.2020</a:t>
             </a:fld>
             <a:endParaRPr lang="ru-RU"/>
           </a:p>
@@ -1010,7 +1010,7 @@
           <a:p>
             <a:fld id="{369B22A5-30E4-45FA-9C35-0A53E2812B5C}" type="datetimeFigureOut">
               <a:rPr lang="ru-RU" smtClean="0"/>
-              <a:t>24.06.2020</a:t>
+              <a:t>03.07.2020</a:t>
             </a:fld>
             <a:endParaRPr lang="ru-RU"/>
           </a:p>
@@ -1242,7 +1242,7 @@
           <a:p>
             <a:fld id="{369B22A5-30E4-45FA-9C35-0A53E2812B5C}" type="datetimeFigureOut">
               <a:rPr lang="ru-RU" smtClean="0"/>
-              <a:t>24.06.2020</a:t>
+              <a:t>03.07.2020</a:t>
             </a:fld>
             <a:endParaRPr lang="ru-RU"/>
           </a:p>
@@ -1609,7 +1609,7 @@
           <a:p>
             <a:fld id="{369B22A5-30E4-45FA-9C35-0A53E2812B5C}" type="datetimeFigureOut">
               <a:rPr lang="ru-RU" smtClean="0"/>
-              <a:t>24.06.2020</a:t>
+              <a:t>03.07.2020</a:t>
             </a:fld>
             <a:endParaRPr lang="ru-RU"/>
           </a:p>
@@ -1727,7 +1727,7 @@
           <a:p>
             <a:fld id="{369B22A5-30E4-45FA-9C35-0A53E2812B5C}" type="datetimeFigureOut">
               <a:rPr lang="ru-RU" smtClean="0"/>
-              <a:t>24.06.2020</a:t>
+              <a:t>03.07.2020</a:t>
             </a:fld>
             <a:endParaRPr lang="ru-RU"/>
           </a:p>
@@ -1822,7 +1822,7 @@
           <a:p>
             <a:fld id="{369B22A5-30E4-45FA-9C35-0A53E2812B5C}" type="datetimeFigureOut">
               <a:rPr lang="ru-RU" smtClean="0"/>
-              <a:t>24.06.2020</a:t>
+              <a:t>03.07.2020</a:t>
             </a:fld>
             <a:endParaRPr lang="ru-RU"/>
           </a:p>
@@ -2099,7 +2099,7 @@
           <a:p>
             <a:fld id="{369B22A5-30E4-45FA-9C35-0A53E2812B5C}" type="datetimeFigureOut">
               <a:rPr lang="ru-RU" smtClean="0"/>
-              <a:t>24.06.2020</a:t>
+              <a:t>03.07.2020</a:t>
             </a:fld>
             <a:endParaRPr lang="ru-RU"/>
           </a:p>
@@ -2352,7 +2352,7 @@
           <a:p>
             <a:fld id="{369B22A5-30E4-45FA-9C35-0A53E2812B5C}" type="datetimeFigureOut">
               <a:rPr lang="ru-RU" smtClean="0"/>
-              <a:t>24.06.2020</a:t>
+              <a:t>03.07.2020</a:t>
             </a:fld>
             <a:endParaRPr lang="ru-RU"/>
           </a:p>
@@ -2565,7 +2565,7 @@
           <a:p>
             <a:fld id="{369B22A5-30E4-45FA-9C35-0A53E2812B5C}" type="datetimeFigureOut">
               <a:rPr lang="ru-RU" smtClean="0"/>
-              <a:t>24.06.2020</a:t>
+              <a:t>03.07.2020</a:t>
             </a:fld>
             <a:endParaRPr lang="ru-RU"/>
           </a:p>
@@ -4336,7 +4336,7 @@
           <p:nvPr>
             <p:extLst>
               <p:ext uri="{D42A27DB-BD31-4B8C-83A1-F6EECF244321}">
-                <p14:modId xmlns:p14="http://schemas.microsoft.com/office/powerpoint/2010/main" val="2020266403"/>
+                <p14:modId xmlns:p14="http://schemas.microsoft.com/office/powerpoint/2010/main" val="2722714018"/>
               </p:ext>
             </p:extLst>
           </p:nvPr>
@@ -4595,7 +4595,7 @@
                     <a:p>
                       <a:r>
                         <a:rPr lang="en-US" sz="1000" dirty="0" smtClean="0"/>
-                        <a:t>BLOB</a:t>
+                        <a:t>CLOB</a:t>
                       </a:r>
                       <a:endParaRPr lang="ru-RU" sz="1000" dirty="0"/>
                     </a:p>

--- a/TimeRec.pptx
+++ b/TimeRec.pptx
@@ -244,7 +244,7 @@
           <a:p>
             <a:fld id="{369B22A5-30E4-45FA-9C35-0A53E2812B5C}" type="datetimeFigureOut">
               <a:rPr lang="ru-RU" smtClean="0"/>
-              <a:t>03.07.2020</a:t>
+              <a:t>19.07.2020</a:t>
             </a:fld>
             <a:endParaRPr lang="ru-RU"/>
           </a:p>
@@ -414,7 +414,7 @@
           <a:p>
             <a:fld id="{369B22A5-30E4-45FA-9C35-0A53E2812B5C}" type="datetimeFigureOut">
               <a:rPr lang="ru-RU" smtClean="0"/>
-              <a:t>03.07.2020</a:t>
+              <a:t>19.07.2020</a:t>
             </a:fld>
             <a:endParaRPr lang="ru-RU"/>
           </a:p>
@@ -594,7 +594,7 @@
           <a:p>
             <a:fld id="{369B22A5-30E4-45FA-9C35-0A53E2812B5C}" type="datetimeFigureOut">
               <a:rPr lang="ru-RU" smtClean="0"/>
-              <a:t>03.07.2020</a:t>
+              <a:t>19.07.2020</a:t>
             </a:fld>
             <a:endParaRPr lang="ru-RU"/>
           </a:p>
@@ -764,7 +764,7 @@
           <a:p>
             <a:fld id="{369B22A5-30E4-45FA-9C35-0A53E2812B5C}" type="datetimeFigureOut">
               <a:rPr lang="ru-RU" smtClean="0"/>
-              <a:t>03.07.2020</a:t>
+              <a:t>19.07.2020</a:t>
             </a:fld>
             <a:endParaRPr lang="ru-RU"/>
           </a:p>
@@ -1010,7 +1010,7 @@
           <a:p>
             <a:fld id="{369B22A5-30E4-45FA-9C35-0A53E2812B5C}" type="datetimeFigureOut">
               <a:rPr lang="ru-RU" smtClean="0"/>
-              <a:t>03.07.2020</a:t>
+              <a:t>19.07.2020</a:t>
             </a:fld>
             <a:endParaRPr lang="ru-RU"/>
           </a:p>
@@ -1242,7 +1242,7 @@
           <a:p>
             <a:fld id="{369B22A5-30E4-45FA-9C35-0A53E2812B5C}" type="datetimeFigureOut">
               <a:rPr lang="ru-RU" smtClean="0"/>
-              <a:t>03.07.2020</a:t>
+              <a:t>19.07.2020</a:t>
             </a:fld>
             <a:endParaRPr lang="ru-RU"/>
           </a:p>
@@ -1609,7 +1609,7 @@
           <a:p>
             <a:fld id="{369B22A5-30E4-45FA-9C35-0A53E2812B5C}" type="datetimeFigureOut">
               <a:rPr lang="ru-RU" smtClean="0"/>
-              <a:t>03.07.2020</a:t>
+              <a:t>19.07.2020</a:t>
             </a:fld>
             <a:endParaRPr lang="ru-RU"/>
           </a:p>
@@ -1727,7 +1727,7 @@
           <a:p>
             <a:fld id="{369B22A5-30E4-45FA-9C35-0A53E2812B5C}" type="datetimeFigureOut">
               <a:rPr lang="ru-RU" smtClean="0"/>
-              <a:t>03.07.2020</a:t>
+              <a:t>19.07.2020</a:t>
             </a:fld>
             <a:endParaRPr lang="ru-RU"/>
           </a:p>
@@ -1822,7 +1822,7 @@
           <a:p>
             <a:fld id="{369B22A5-30E4-45FA-9C35-0A53E2812B5C}" type="datetimeFigureOut">
               <a:rPr lang="ru-RU" smtClean="0"/>
-              <a:t>03.07.2020</a:t>
+              <a:t>19.07.2020</a:t>
             </a:fld>
             <a:endParaRPr lang="ru-RU"/>
           </a:p>
@@ -2099,7 +2099,7 @@
           <a:p>
             <a:fld id="{369B22A5-30E4-45FA-9C35-0A53E2812B5C}" type="datetimeFigureOut">
               <a:rPr lang="ru-RU" smtClean="0"/>
-              <a:t>03.07.2020</a:t>
+              <a:t>19.07.2020</a:t>
             </a:fld>
             <a:endParaRPr lang="ru-RU"/>
           </a:p>
@@ -2352,7 +2352,7 @@
           <a:p>
             <a:fld id="{369B22A5-30E4-45FA-9C35-0A53E2812B5C}" type="datetimeFigureOut">
               <a:rPr lang="ru-RU" smtClean="0"/>
-              <a:t>03.07.2020</a:t>
+              <a:t>19.07.2020</a:t>
             </a:fld>
             <a:endParaRPr lang="ru-RU"/>
           </a:p>
@@ -2565,7 +2565,7 @@
           <a:p>
             <a:fld id="{369B22A5-30E4-45FA-9C35-0A53E2812B5C}" type="datetimeFigureOut">
               <a:rPr lang="ru-RU" smtClean="0"/>
-              <a:t>03.07.2020</a:t>
+              <a:t>19.07.2020</a:t>
             </a:fld>
             <a:endParaRPr lang="ru-RU"/>
           </a:p>
@@ -4923,7 +4923,7 @@
           <p:nvPr>
             <p:extLst>
               <p:ext uri="{D42A27DB-BD31-4B8C-83A1-F6EECF244321}">
-                <p14:modId xmlns:p14="http://schemas.microsoft.com/office/powerpoint/2010/main" val="2007339681"/>
+                <p14:modId xmlns:p14="http://schemas.microsoft.com/office/powerpoint/2010/main" val="3631067418"/>
               </p:ext>
             </p:extLst>
           </p:nvPr>
@@ -4962,7 +4962,7 @@
                     <a:p>
                       <a:r>
                         <a:rPr lang="en-US" sz="1000" dirty="0" smtClean="0"/>
-                        <a:t>User</a:t>
+                        <a:t>Users</a:t>
                       </a:r>
                       <a:endParaRPr lang="ru-RU" sz="1000" dirty="0"/>
                     </a:p>
@@ -5260,7 +5260,7 @@
           <p:nvPr>
             <p:extLst>
               <p:ext uri="{D42A27DB-BD31-4B8C-83A1-F6EECF244321}">
-                <p14:modId xmlns:p14="http://schemas.microsoft.com/office/powerpoint/2010/main" val="1633877358"/>
+                <p14:modId xmlns:p14="http://schemas.microsoft.com/office/powerpoint/2010/main" val="978675976"/>
               </p:ext>
             </p:extLst>
           </p:nvPr>
@@ -5381,8 +5381,8 @@
                         <a:defRPr/>
                       </a:pPr>
                       <a:r>
-                        <a:rPr lang="en-US" sz="1000" dirty="0" smtClean="0"/>
-                        <a:t>UTC</a:t>
+                        <a:rPr lang="en-US" sz="1000" dirty="0" err="1" smtClean="0"/>
+                        <a:t>UTC_offset</a:t>
                       </a:r>
                       <a:endParaRPr lang="ru-RU" sz="1000" dirty="0" smtClean="0"/>
                     </a:p>
